--- a/documentation/09_JDBC/doc/Java training 37 - JDBC.pptx
+++ b/documentation/09_JDBC/doc/Java training 37 - JDBC.pptx
@@ -270,7 +270,7 @@
           <a:p>
             <a:fld id="{C6E8B002-83F0-41C5-A7B7-2819A96BD9B2}" type="datetimeFigureOut">
               <a:rPr lang="hu-HU" smtClean="0"/>
-              <a:t>2016.03.15.</a:t>
+              <a:t>2016.03.18.</a:t>
             </a:fld>
             <a:endParaRPr lang="hu-HU"/>
           </a:p>
@@ -440,7 +440,7 @@
           <a:p>
             <a:fld id="{C6E8B002-83F0-41C5-A7B7-2819A96BD9B2}" type="datetimeFigureOut">
               <a:rPr lang="hu-HU" smtClean="0"/>
-              <a:t>2016.03.15.</a:t>
+              <a:t>2016.03.18.</a:t>
             </a:fld>
             <a:endParaRPr lang="hu-HU"/>
           </a:p>
@@ -620,7 +620,7 @@
           <a:p>
             <a:fld id="{C6E8B002-83F0-41C5-A7B7-2819A96BD9B2}" type="datetimeFigureOut">
               <a:rPr lang="hu-HU" smtClean="0"/>
-              <a:t>2016.03.15.</a:t>
+              <a:t>2016.03.18.</a:t>
             </a:fld>
             <a:endParaRPr lang="hu-HU"/>
           </a:p>
@@ -790,7 +790,7 @@
           <a:p>
             <a:fld id="{C6E8B002-83F0-41C5-A7B7-2819A96BD9B2}" type="datetimeFigureOut">
               <a:rPr lang="hu-HU" smtClean="0"/>
-              <a:t>2016.03.15.</a:t>
+              <a:t>2016.03.18.</a:t>
             </a:fld>
             <a:endParaRPr lang="hu-HU"/>
           </a:p>
@@ -1034,7 +1034,7 @@
           <a:p>
             <a:fld id="{C6E8B002-83F0-41C5-A7B7-2819A96BD9B2}" type="datetimeFigureOut">
               <a:rPr lang="hu-HU" smtClean="0"/>
-              <a:t>2016.03.15.</a:t>
+              <a:t>2016.03.18.</a:t>
             </a:fld>
             <a:endParaRPr lang="hu-HU"/>
           </a:p>
@@ -1266,7 +1266,7 @@
           <a:p>
             <a:fld id="{C6E8B002-83F0-41C5-A7B7-2819A96BD9B2}" type="datetimeFigureOut">
               <a:rPr lang="hu-HU" smtClean="0"/>
-              <a:t>2016.03.15.</a:t>
+              <a:t>2016.03.18.</a:t>
             </a:fld>
             <a:endParaRPr lang="hu-HU"/>
           </a:p>
@@ -1633,7 +1633,7 @@
           <a:p>
             <a:fld id="{C6E8B002-83F0-41C5-A7B7-2819A96BD9B2}" type="datetimeFigureOut">
               <a:rPr lang="hu-HU" smtClean="0"/>
-              <a:t>2016.03.15.</a:t>
+              <a:t>2016.03.18.</a:t>
             </a:fld>
             <a:endParaRPr lang="hu-HU"/>
           </a:p>
@@ -1751,7 +1751,7 @@
           <a:p>
             <a:fld id="{C6E8B002-83F0-41C5-A7B7-2819A96BD9B2}" type="datetimeFigureOut">
               <a:rPr lang="hu-HU" smtClean="0"/>
-              <a:t>2016.03.15.</a:t>
+              <a:t>2016.03.18.</a:t>
             </a:fld>
             <a:endParaRPr lang="hu-HU"/>
           </a:p>
@@ -1846,7 +1846,7 @@
           <a:p>
             <a:fld id="{C6E8B002-83F0-41C5-A7B7-2819A96BD9B2}" type="datetimeFigureOut">
               <a:rPr lang="hu-HU" smtClean="0"/>
-              <a:t>2016.03.15.</a:t>
+              <a:t>2016.03.18.</a:t>
             </a:fld>
             <a:endParaRPr lang="hu-HU"/>
           </a:p>
@@ -2123,7 +2123,7 @@
           <a:p>
             <a:fld id="{C6E8B002-83F0-41C5-A7B7-2819A96BD9B2}" type="datetimeFigureOut">
               <a:rPr lang="hu-HU" smtClean="0"/>
-              <a:t>2016.03.15.</a:t>
+              <a:t>2016.03.18.</a:t>
             </a:fld>
             <a:endParaRPr lang="hu-HU"/>
           </a:p>
@@ -2380,7 +2380,7 @@
           <a:p>
             <a:fld id="{C6E8B002-83F0-41C5-A7B7-2819A96BD9B2}" type="datetimeFigureOut">
               <a:rPr lang="hu-HU" smtClean="0"/>
-              <a:t>2016.03.15.</a:t>
+              <a:t>2016.03.18.</a:t>
             </a:fld>
             <a:endParaRPr lang="hu-HU"/>
           </a:p>
@@ -2600,7 +2600,7 @@
           <a:p>
             <a:fld id="{C6E8B002-83F0-41C5-A7B7-2819A96BD9B2}" type="datetimeFigureOut">
               <a:rPr lang="hu-HU" smtClean="0"/>
-              <a:t>2016.03.15.</a:t>
+              <a:t>2016.03.18.</a:t>
             </a:fld>
             <a:endParaRPr lang="hu-HU"/>
           </a:p>
@@ -4258,9 +4258,46 @@
         <p:spPr/>
         <p:txBody>
           <a:bodyPr>
-            <a:normAutofit fontScale="55000" lnSpcReduction="20000"/>
+            <a:normAutofit fontScale="40000" lnSpcReduction="20000"/>
           </a:bodyPr>
           <a:lstStyle/>
+          <a:p>
+            <a:r>
+              <a:rPr lang="hu-HU" dirty="0" err="1" smtClean="0"/>
+              <a:t>DatabaseMetaData.supportsBatchUpdates</a:t>
+            </a:r>
+            <a:r>
+              <a:rPr lang="hu-HU" dirty="0" smtClean="0"/>
+              <a:t>()</a:t>
+            </a:r>
+          </a:p>
+          <a:p>
+            <a:r>
+              <a:rPr lang="hu-HU" dirty="0" err="1" smtClean="0"/>
+              <a:t>addBatch</a:t>
+            </a:r>
+            <a:r>
+              <a:rPr lang="hu-HU" dirty="0" smtClean="0"/>
+              <a:t>(), </a:t>
+            </a:r>
+            <a:r>
+              <a:rPr lang="hu-HU" dirty="0" err="1" smtClean="0"/>
+              <a:t>executeBatch</a:t>
+            </a:r>
+            <a:r>
+              <a:rPr lang="hu-HU" dirty="0" smtClean="0"/>
+              <a:t>(), </a:t>
+            </a:r>
+            <a:r>
+              <a:rPr lang="hu-HU" dirty="0" err="1" smtClean="0"/>
+              <a:t>clearBatch</a:t>
+            </a:r>
+            <a:r>
+              <a:rPr lang="hu-HU" dirty="0" smtClean="0"/>
+              <a:t>()</a:t>
+            </a:r>
+            <a:endParaRPr lang="hu-HU" dirty="0" smtClean="0"/>
+          </a:p>
           <a:p>
             <a:r>
               <a:rPr lang="hu-HU" dirty="0" err="1" smtClean="0"/>
@@ -4973,7 +5010,6 @@
               <a:rPr lang="hu-HU" dirty="0" smtClean="0"/>
               <a:t>Adapter – JDBC Driver</a:t>
             </a:r>
-            <a:endParaRPr lang="hu-HU" dirty="0" smtClean="0"/>
           </a:p>
           <a:p>
             <a:r>
